--- a/Doc/Design.pptx
+++ b/Doc/Design.pptx
@@ -104,6 +104,11 @@
       </a:defRPr>
     </a:lvl9pPr>
   </p:defaultTextStyle>
+  <p:extLst>
+    <p:ext uri="{EFAFB233-063F-42B5-8137-9DF3F51BA10A}">
+      <p15:sldGuideLst xmlns:p15="http://schemas.microsoft.com/office/powerpoint/2012/main"/>
+    </p:ext>
+  </p:extLst>
 </p:presentation>
 </file>
 
@@ -3675,7 +3680,7 @@
         </p:nvSpPr>
         <p:spPr>
           <a:xfrm>
-            <a:off x="4414160" y="3121533"/>
+            <a:off x="4363514" y="3121533"/>
             <a:ext cx="1687285" cy="399029"/>
           </a:xfrm>
           <a:prstGeom prst="rect">
@@ -3724,7 +3729,7 @@
         </p:nvSpPr>
         <p:spPr>
           <a:xfrm>
-            <a:off x="6683832" y="3121534"/>
+            <a:off x="6593429" y="3121533"/>
             <a:ext cx="1687285" cy="399029"/>
           </a:xfrm>
           <a:prstGeom prst="rect">
